--- a/수업/Scientific Writting/Diagram.pptx
+++ b/수업/Scientific Writting/Diagram.pptx
@@ -3451,7 +3451,7 @@
           <a:graphicData uri="http://schemas.openxmlformats.org/presentationml/2006/ole">
             <mc:AlternateContent xmlns:mc="http://schemas.openxmlformats.org/markup-compatibility/2006">
               <mc:Choice xmlns:v="urn:schemas-microsoft-com:vml" Requires="v">
-                <p:oleObj spid="_x0000_s1035" name="Equation" r:id="rId3" imgW="139680" imgH="190440" progId="Equation.DSMT4">
+                <p:oleObj spid="_x0000_s1036" name="Equation" r:id="rId3" imgW="139680" imgH="190440" progId="Equation.DSMT4">
                   <p:embed/>
                 </p:oleObj>
               </mc:Choice>
@@ -4274,21 +4274,7 @@
                 <a:latin typeface="Calibri" panose="020F0502020204030204" pitchFamily="34" charset="0"/>
                 <a:cs typeface="Calibri" panose="020F0502020204030204" pitchFamily="34" charset="0"/>
               </a:rPr>
-              <a:t>Shift </a:t>
-            </a:r>
-            <a:r>
-              <a:rPr lang="en-US" altLang="ko-KR" sz="2000" dirty="0" smtClean="0">
-                <a:latin typeface="Calibri" panose="020F0502020204030204" pitchFamily="34" charset="0"/>
-                <a:cs typeface="Calibri" panose="020F0502020204030204" pitchFamily="34" charset="0"/>
-              </a:rPr>
-              <a:t>0.9 µm CMOS </a:t>
-            </a:r>
-            <a:r>
-              <a:rPr lang="en-US" altLang="ko-KR" sz="2000" dirty="0" smtClean="0">
-                <a:latin typeface="Calibri" panose="020F0502020204030204" pitchFamily="34" charset="0"/>
-                <a:cs typeface="Calibri" panose="020F0502020204030204" pitchFamily="34" charset="0"/>
-              </a:rPr>
-              <a:t>Image Sensor</a:t>
+              <a:t>Shift 0.9 µm CMOS Image Sensor</a:t>
             </a:r>
             <a:endParaRPr lang="ko-KR" altLang="en-US" sz="2000" dirty="0">
               <a:latin typeface="Calibri" panose="020F0502020204030204" pitchFamily="34" charset="0"/>
@@ -5574,19 +5560,8 @@
                 <a:latin typeface="Calibri" panose="020F0502020204030204" pitchFamily="34" charset="0"/>
                 <a:cs typeface="Calibri" panose="020F0502020204030204" pitchFamily="34" charset="0"/>
               </a:rPr>
-              <a:t>QE (Quantum Efficiency</a:t>
-            </a:r>
-            <a:r>
-              <a:rPr lang="en-US" altLang="ko-KR" sz="1400" dirty="0" smtClean="0">
-                <a:latin typeface="Calibri" panose="020F0502020204030204" pitchFamily="34" charset="0"/>
-                <a:cs typeface="Calibri" panose="020F0502020204030204" pitchFamily="34" charset="0"/>
-              </a:rPr>
-              <a:t>)</a:t>
-            </a:r>
-            <a:endParaRPr lang="en-US" altLang="ko-KR" sz="1400" dirty="0" smtClean="0">
-              <a:latin typeface="Calibri" panose="020F0502020204030204" pitchFamily="34" charset="0"/>
-              <a:cs typeface="Calibri" panose="020F0502020204030204" pitchFamily="34" charset="0"/>
-            </a:endParaRPr>
+              <a:t>QE (Quantum Efficiency)</a:t>
+            </a:r>
           </a:p>
         </p:txBody>
       </p:sp>
@@ -5666,10 +5641,6 @@
               </a:rPr>
               <a:t>X-talk (Cross talk)</a:t>
             </a:r>
-            <a:endParaRPr lang="en-US" altLang="ko-KR" sz="1000" dirty="0" smtClean="0">
-              <a:latin typeface="Calibri" panose="020F0502020204030204" pitchFamily="34" charset="0"/>
-              <a:cs typeface="Calibri" panose="020F0502020204030204" pitchFamily="34" charset="0"/>
-            </a:endParaRPr>
           </a:p>
         </p:txBody>
       </p:sp>
@@ -5743,8 +5714,8 @@
           </a:fontRef>
         </p:style>
       </p:cxnSp>
-      <mc:AlternateContent xmlns:mc="http://schemas.openxmlformats.org/markup-compatibility/2006">
-        <mc:Choice xmlns:a14="http://schemas.microsoft.com/office/drawing/2010/main" Requires="a14">
+      <mc:AlternateContent xmlns:mc="http://schemas.openxmlformats.org/markup-compatibility/2006" xmlns:a14="http://schemas.microsoft.com/office/drawing/2010/main">
+        <mc:Choice Requires="a14">
           <p:sp>
             <p:nvSpPr>
               <p:cNvPr id="69" name="TextBox 68"/>
@@ -5803,7 +5774,7 @@
             </p:txBody>
           </p:sp>
         </mc:Choice>
-        <mc:Fallback>
+        <mc:Fallback xmlns="">
           <p:sp>
             <p:nvSpPr>
               <p:cNvPr id="69" name="TextBox 68"/>

--- a/수업/Scientific Writting/Diagram.pptx
+++ b/수업/Scientific Writting/Diagram.pptx
@@ -243,7 +243,7 @@
           <a:p>
             <a:fld id="{AD08B7A3-68A4-47E4-B85F-A2057AFDA4BD}" type="datetimeFigureOut">
               <a:rPr lang="ko-KR" altLang="en-US" smtClean="0"/>
-              <a:t>2018-06-14</a:t>
+              <a:t>2018-06-15</a:t>
             </a:fld>
             <a:endParaRPr lang="ko-KR" altLang="en-US"/>
           </a:p>
@@ -413,7 +413,7 @@
           <a:p>
             <a:fld id="{AD08B7A3-68A4-47E4-B85F-A2057AFDA4BD}" type="datetimeFigureOut">
               <a:rPr lang="ko-KR" altLang="en-US" smtClean="0"/>
-              <a:t>2018-06-14</a:t>
+              <a:t>2018-06-15</a:t>
             </a:fld>
             <a:endParaRPr lang="ko-KR" altLang="en-US"/>
           </a:p>
@@ -593,7 +593,7 @@
           <a:p>
             <a:fld id="{AD08B7A3-68A4-47E4-B85F-A2057AFDA4BD}" type="datetimeFigureOut">
               <a:rPr lang="ko-KR" altLang="en-US" smtClean="0"/>
-              <a:t>2018-06-14</a:t>
+              <a:t>2018-06-15</a:t>
             </a:fld>
             <a:endParaRPr lang="ko-KR" altLang="en-US"/>
           </a:p>
@@ -763,7 +763,7 @@
           <a:p>
             <a:fld id="{AD08B7A3-68A4-47E4-B85F-A2057AFDA4BD}" type="datetimeFigureOut">
               <a:rPr lang="ko-KR" altLang="en-US" smtClean="0"/>
-              <a:t>2018-06-14</a:t>
+              <a:t>2018-06-15</a:t>
             </a:fld>
             <a:endParaRPr lang="ko-KR" altLang="en-US"/>
           </a:p>
@@ -1009,7 +1009,7 @@
           <a:p>
             <a:fld id="{AD08B7A3-68A4-47E4-B85F-A2057AFDA4BD}" type="datetimeFigureOut">
               <a:rPr lang="ko-KR" altLang="en-US" smtClean="0"/>
-              <a:t>2018-06-14</a:t>
+              <a:t>2018-06-15</a:t>
             </a:fld>
             <a:endParaRPr lang="ko-KR" altLang="en-US"/>
           </a:p>
@@ -1241,7 +1241,7 @@
           <a:p>
             <a:fld id="{AD08B7A3-68A4-47E4-B85F-A2057AFDA4BD}" type="datetimeFigureOut">
               <a:rPr lang="ko-KR" altLang="en-US" smtClean="0"/>
-              <a:t>2018-06-14</a:t>
+              <a:t>2018-06-15</a:t>
             </a:fld>
             <a:endParaRPr lang="ko-KR" altLang="en-US"/>
           </a:p>
@@ -1608,7 +1608,7 @@
           <a:p>
             <a:fld id="{AD08B7A3-68A4-47E4-B85F-A2057AFDA4BD}" type="datetimeFigureOut">
               <a:rPr lang="ko-KR" altLang="en-US" smtClean="0"/>
-              <a:t>2018-06-14</a:t>
+              <a:t>2018-06-15</a:t>
             </a:fld>
             <a:endParaRPr lang="ko-KR" altLang="en-US"/>
           </a:p>
@@ -1726,7 +1726,7 @@
           <a:p>
             <a:fld id="{AD08B7A3-68A4-47E4-B85F-A2057AFDA4BD}" type="datetimeFigureOut">
               <a:rPr lang="ko-KR" altLang="en-US" smtClean="0"/>
-              <a:t>2018-06-14</a:t>
+              <a:t>2018-06-15</a:t>
             </a:fld>
             <a:endParaRPr lang="ko-KR" altLang="en-US"/>
           </a:p>
@@ -1821,7 +1821,7 @@
           <a:p>
             <a:fld id="{AD08B7A3-68A4-47E4-B85F-A2057AFDA4BD}" type="datetimeFigureOut">
               <a:rPr lang="ko-KR" altLang="en-US" smtClean="0"/>
-              <a:t>2018-06-14</a:t>
+              <a:t>2018-06-15</a:t>
             </a:fld>
             <a:endParaRPr lang="ko-KR" altLang="en-US"/>
           </a:p>
@@ -2098,7 +2098,7 @@
           <a:p>
             <a:fld id="{AD08B7A3-68A4-47E4-B85F-A2057AFDA4BD}" type="datetimeFigureOut">
               <a:rPr lang="ko-KR" altLang="en-US" smtClean="0"/>
-              <a:t>2018-06-14</a:t>
+              <a:t>2018-06-15</a:t>
             </a:fld>
             <a:endParaRPr lang="ko-KR" altLang="en-US"/>
           </a:p>
@@ -2351,7 +2351,7 @@
           <a:p>
             <a:fld id="{AD08B7A3-68A4-47E4-B85F-A2057AFDA4BD}" type="datetimeFigureOut">
               <a:rPr lang="ko-KR" altLang="en-US" smtClean="0"/>
-              <a:t>2018-06-14</a:t>
+              <a:t>2018-06-15</a:t>
             </a:fld>
             <a:endParaRPr lang="ko-KR" altLang="en-US"/>
           </a:p>
@@ -2564,7 +2564,7 @@
           <a:p>
             <a:fld id="{AD08B7A3-68A4-47E4-B85F-A2057AFDA4BD}" type="datetimeFigureOut">
               <a:rPr lang="ko-KR" altLang="en-US" smtClean="0"/>
-              <a:t>2018-06-14</a:t>
+              <a:t>2018-06-15</a:t>
             </a:fld>
             <a:endParaRPr lang="ko-KR" altLang="en-US"/>
           </a:p>
@@ -2977,7 +2977,7 @@
         </p:nvSpPr>
         <p:spPr>
           <a:xfrm>
-            <a:off x="4021611" y="3789911"/>
+            <a:off x="4021611" y="4097821"/>
             <a:ext cx="3134967" cy="321367"/>
           </a:xfrm>
           <a:prstGeom prst="rect">
@@ -3021,55 +3021,6 @@
           </a:p>
         </p:txBody>
       </p:sp>
-      <p:sp>
-        <p:nvSpPr>
-          <p:cNvPr id="7" name="직사각형 6"/>
-          <p:cNvSpPr/>
-          <p:nvPr/>
-        </p:nvSpPr>
-        <p:spPr>
-          <a:xfrm>
-            <a:off x="4021611" y="4117354"/>
-            <a:ext cx="1567801" cy="1482481"/>
-          </a:xfrm>
-          <a:prstGeom prst="rect">
-            <a:avLst/>
-          </a:prstGeom>
-          <a:noFill/>
-          <a:ln w="6350">
-            <a:solidFill>
-              <a:schemeClr val="tx1"/>
-            </a:solidFill>
-          </a:ln>
-        </p:spPr>
-        <p:style>
-          <a:lnRef idx="2">
-            <a:schemeClr val="accent1">
-              <a:shade val="50000"/>
-            </a:schemeClr>
-          </a:lnRef>
-          <a:fillRef idx="1">
-            <a:schemeClr val="accent1"/>
-          </a:fillRef>
-          <a:effectRef idx="0">
-            <a:schemeClr val="accent1"/>
-          </a:effectRef>
-          <a:fontRef idx="minor">
-            <a:schemeClr val="lt1"/>
-          </a:fontRef>
-        </p:style>
-        <p:txBody>
-          <a:bodyPr rtlCol="0" anchor="ctr"/>
-          <a:lstStyle/>
-          <a:p>
-            <a:pPr algn="ctr"/>
-            <a:endParaRPr lang="ko-KR" altLang="en-US" sz="825" b="1" dirty="0">
-              <a:latin typeface="Arial" panose="020B0604020202020204" pitchFamily="34" charset="0"/>
-              <a:cs typeface="Arial" panose="020B0604020202020204" pitchFamily="34" charset="0"/>
-            </a:endParaRPr>
-          </a:p>
-        </p:txBody>
-      </p:sp>
       <p:cxnSp>
         <p:nvCxnSpPr>
           <p:cNvPr id="9" name="직선 화살표 연결선 8"/>
@@ -3078,7 +3029,7 @@
         </p:nvCxnSpPr>
         <p:spPr>
           <a:xfrm>
-            <a:off x="4021611" y="2291661"/>
+            <a:off x="4021611" y="2599571"/>
             <a:ext cx="1176630" cy="0"/>
           </a:xfrm>
           <a:prstGeom prst="straightConnector1">
@@ -3114,7 +3065,7 @@
         </p:nvCxnSpPr>
         <p:spPr>
           <a:xfrm>
-            <a:off x="4021611" y="3180309"/>
+            <a:off x="4021611" y="3488219"/>
             <a:ext cx="586464" cy="1"/>
           </a:xfrm>
           <a:prstGeom prst="straightConnector1">
@@ -3150,7 +3101,7 @@
         </p:nvSpPr>
         <p:spPr>
           <a:xfrm>
-            <a:off x="4441344" y="2012133"/>
+            <a:off x="4441344" y="2320043"/>
             <a:ext cx="333746" cy="276999"/>
           </a:xfrm>
           <a:prstGeom prst="rect">
@@ -3188,7 +3139,7 @@
         </p:nvSpPr>
         <p:spPr>
           <a:xfrm>
-            <a:off x="4147970" y="2915020"/>
+            <a:off x="4147970" y="3222930"/>
             <a:ext cx="333746" cy="276999"/>
           </a:xfrm>
           <a:prstGeom prst="rect">
@@ -3226,7 +3177,7 @@
         </p:nvCxnSpPr>
         <p:spPr>
           <a:xfrm flipV="1">
-            <a:off x="6765044" y="849528"/>
+            <a:off x="6765044" y="1157438"/>
             <a:ext cx="0" cy="1715628"/>
           </a:xfrm>
           <a:prstGeom prst="line">
@@ -3261,7 +3212,7 @@
         </p:nvCxnSpPr>
         <p:spPr>
           <a:xfrm flipH="1">
-            <a:off x="6760793" y="1038652"/>
+            <a:off x="6760793" y="1346562"/>
             <a:ext cx="744113" cy="882531"/>
           </a:xfrm>
           <a:prstGeom prst="straightConnector1">
@@ -3297,7 +3248,7 @@
         </p:nvSpPr>
         <p:spPr>
           <a:xfrm>
-            <a:off x="6488745" y="1514776"/>
+            <a:off x="6488745" y="1822686"/>
             <a:ext cx="552597" cy="394202"/>
           </a:xfrm>
           <a:prstGeom prst="arc">
@@ -3438,20 +3389,20 @@
           <p:nvPr>
             <p:extLst>
               <p:ext uri="{D42A27DB-BD31-4B8C-83A1-F6EECF244321}">
-                <p14:modId xmlns:p14="http://schemas.microsoft.com/office/powerpoint/2010/main" val="2861275950"/>
+                <p14:modId xmlns:p14="http://schemas.microsoft.com/office/powerpoint/2010/main" val="4076268131"/>
               </p:ext>
             </p:extLst>
           </p:nvPr>
         </p:nvGraphicFramePr>
         <p:xfrm>
-          <a:off x="6848859" y="1241416"/>
+          <a:off x="6848859" y="1549326"/>
           <a:ext cx="210524" cy="287078"/>
         </p:xfrm>
         <a:graphic>
           <a:graphicData uri="http://schemas.openxmlformats.org/presentationml/2006/ole">
             <mc:AlternateContent xmlns:mc="http://schemas.openxmlformats.org/markup-compatibility/2006">
               <mc:Choice xmlns:v="urn:schemas-microsoft-com:vml" Requires="v">
-                <p:oleObj spid="_x0000_s1036" name="Equation" r:id="rId3" imgW="139680" imgH="190440" progId="Equation.DSMT4">
+                <p:oleObj spid="_x0000_s1040" name="Equation" r:id="rId3" imgW="139680" imgH="190440" progId="Equation.DSMT4">
                   <p:embed/>
                 </p:oleObj>
               </mc:Choice>
@@ -3472,7 +3423,7 @@
                     </p:blipFill>
                     <p:spPr>
                       <a:xfrm>
-                        <a:off x="6848859" y="1241416"/>
+                        <a:off x="6848859" y="1549326"/>
                         <a:ext cx="210524" cy="287078"/>
                       </a:xfrm>
                       <a:prstGeom prst="rect">
@@ -3488,14 +3439,120 @@
       </p:graphicFrame>
       <p:sp>
         <p:nvSpPr>
-          <p:cNvPr id="14" name="직사각형 13"/>
+          <p:cNvPr id="81" name="자유형 80"/>
           <p:cNvSpPr/>
           <p:nvPr/>
         </p:nvSpPr>
         <p:spPr>
           <a:xfrm>
-            <a:off x="5588778" y="4117354"/>
-            <a:ext cx="1567801" cy="1482481"/>
+            <a:off x="7028541" y="4102424"/>
+            <a:ext cx="128038" cy="1224534"/>
+          </a:xfrm>
+          <a:custGeom>
+            <a:avLst/>
+            <a:gdLst>
+              <a:gd name="connsiteX0" fmla="*/ 8327 w 128038"/>
+              <a:gd name="connsiteY0" fmla="*/ 0 h 1224534"/>
+              <a:gd name="connsiteX1" fmla="*/ 128038 w 128038"/>
+              <a:gd name="connsiteY1" fmla="*/ 0 h 1224534"/>
+              <a:gd name="connsiteX2" fmla="*/ 128038 w 128038"/>
+              <a:gd name="connsiteY2" fmla="*/ 1222699 h 1224534"/>
+              <a:gd name="connsiteX3" fmla="*/ 107069 w 128038"/>
+              <a:gd name="connsiteY3" fmla="*/ 1224534 h 1224534"/>
+              <a:gd name="connsiteX4" fmla="*/ 0 w 128038"/>
+              <a:gd name="connsiteY4" fmla="*/ 729 h 1224534"/>
+            </a:gdLst>
+            <a:ahLst/>
+            <a:cxnLst>
+              <a:cxn ang="0">
+                <a:pos x="connsiteX0" y="connsiteY0"/>
+              </a:cxn>
+              <a:cxn ang="0">
+                <a:pos x="connsiteX1" y="connsiteY1"/>
+              </a:cxn>
+              <a:cxn ang="0">
+                <a:pos x="connsiteX2" y="connsiteY2"/>
+              </a:cxn>
+              <a:cxn ang="0">
+                <a:pos x="connsiteX3" y="connsiteY3"/>
+              </a:cxn>
+              <a:cxn ang="0">
+                <a:pos x="connsiteX4" y="connsiteY4"/>
+              </a:cxn>
+            </a:cxnLst>
+            <a:rect l="l" t="t" r="r" b="b"/>
+            <a:pathLst>
+              <a:path w="128038" h="1224534">
+                <a:moveTo>
+                  <a:pt x="8327" y="0"/>
+                </a:moveTo>
+                <a:lnTo>
+                  <a:pt x="128038" y="0"/>
+                </a:lnTo>
+                <a:lnTo>
+                  <a:pt x="128038" y="1222699"/>
+                </a:lnTo>
+                <a:lnTo>
+                  <a:pt x="107069" y="1224534"/>
+                </a:lnTo>
+                <a:lnTo>
+                  <a:pt x="0" y="729"/>
+                </a:lnTo>
+                <a:close/>
+              </a:path>
+            </a:pathLst>
+          </a:custGeom>
+          <a:solidFill>
+            <a:schemeClr val="bg1">
+              <a:lumMod val="75000"/>
+            </a:schemeClr>
+          </a:solidFill>
+          <a:ln w="6350">
+            <a:solidFill>
+              <a:schemeClr val="tx1"/>
+            </a:solidFill>
+          </a:ln>
+        </p:spPr>
+        <p:style>
+          <a:lnRef idx="2">
+            <a:schemeClr val="accent1">
+              <a:shade val="50000"/>
+            </a:schemeClr>
+          </a:lnRef>
+          <a:fillRef idx="1">
+            <a:schemeClr val="accent1"/>
+          </a:fillRef>
+          <a:effectRef idx="0">
+            <a:schemeClr val="accent1"/>
+          </a:effectRef>
+          <a:fontRef idx="minor">
+            <a:schemeClr val="lt1"/>
+          </a:fontRef>
+        </p:style>
+        <p:txBody>
+          <a:bodyPr wrap="square" rtlCol="0" anchor="ctr">
+            <a:noAutofit/>
+          </a:bodyPr>
+          <a:lstStyle/>
+          <a:p>
+            <a:pPr algn="ctr"/>
+            <a:endParaRPr lang="ko-KR" altLang="en-US" sz="825" b="1" dirty="0">
+              <a:latin typeface="Arial" panose="020B0604020202020204" pitchFamily="34" charset="0"/>
+              <a:cs typeface="Arial" panose="020B0604020202020204" pitchFamily="34" charset="0"/>
+            </a:endParaRPr>
+          </a:p>
+        </p:txBody>
+      </p:sp>
+      <p:sp>
+        <p:nvSpPr>
+          <p:cNvPr id="40" name="직사각형 39"/>
+          <p:cNvSpPr/>
+          <p:nvPr/>
+        </p:nvSpPr>
+        <p:spPr>
+          <a:xfrm>
+            <a:off x="4608075" y="2881289"/>
+            <a:ext cx="1563563" cy="1219096"/>
           </a:xfrm>
           <a:prstGeom prst="rect">
             <a:avLst/>
@@ -3524,11 +3581,14 @@
           </a:fontRef>
         </p:style>
         <p:txBody>
-          <a:bodyPr rtlCol="0" anchor="ctr"/>
+          <a:bodyPr lIns="0" tIns="0" rIns="0" bIns="0" rtlCol="0" anchor="ctr"/>
           <a:lstStyle/>
           <a:p>
             <a:pPr algn="ctr"/>
-            <a:endParaRPr lang="ko-KR" altLang="en-US" sz="825" b="1" dirty="0">
+            <a:endParaRPr lang="ko-KR" altLang="en-US" sz="900" b="1" baseline="-25000" dirty="0">
+              <a:solidFill>
+                <a:schemeClr val="bg1"/>
+              </a:solidFill>
               <a:latin typeface="Arial" panose="020B0604020202020204" pitchFamily="34" charset="0"/>
               <a:cs typeface="Arial" panose="020B0604020202020204" pitchFamily="34" charset="0"/>
             </a:endParaRPr>
@@ -3537,14 +3597,117 @@
       </p:sp>
       <p:sp>
         <p:nvSpPr>
-          <p:cNvPr id="40" name="직사각형 39"/>
+          <p:cNvPr id="41" name="직사각형 40"/>
           <p:cNvSpPr/>
           <p:nvPr/>
         </p:nvSpPr>
         <p:spPr>
           <a:xfrm>
-            <a:off x="4608075" y="2573379"/>
-            <a:ext cx="1563563" cy="1219096"/>
+            <a:off x="4609006" y="3902011"/>
+            <a:ext cx="131122" cy="198376"/>
+          </a:xfrm>
+          <a:prstGeom prst="rect">
+            <a:avLst/>
+          </a:prstGeom>
+          <a:solidFill>
+            <a:schemeClr val="tx1"/>
+          </a:solidFill>
+          <a:ln>
+            <a:noFill/>
+          </a:ln>
+        </p:spPr>
+        <p:style>
+          <a:lnRef idx="2">
+            <a:schemeClr val="accent1">
+              <a:shade val="50000"/>
+            </a:schemeClr>
+          </a:lnRef>
+          <a:fillRef idx="1">
+            <a:schemeClr val="accent1"/>
+          </a:fillRef>
+          <a:effectRef idx="0">
+            <a:schemeClr val="accent1"/>
+          </a:effectRef>
+          <a:fontRef idx="minor">
+            <a:schemeClr val="lt1"/>
+          </a:fontRef>
+        </p:style>
+        <p:txBody>
+          <a:bodyPr rtlCol="0" anchor="ctr"/>
+          <a:lstStyle/>
+          <a:p>
+            <a:pPr algn="ctr"/>
+            <a:endParaRPr lang="ko-KR" altLang="en-US" sz="675" dirty="0">
+              <a:latin typeface="Arial" panose="020B0604020202020204" pitchFamily="34" charset="0"/>
+              <a:cs typeface="Arial" panose="020B0604020202020204" pitchFamily="34" charset="0"/>
+            </a:endParaRPr>
+          </a:p>
+        </p:txBody>
+      </p:sp>
+      <p:sp>
+        <p:nvSpPr>
+          <p:cNvPr id="20" name="직사각형 19"/>
+          <p:cNvSpPr/>
+          <p:nvPr/>
+        </p:nvSpPr>
+        <p:spPr>
+          <a:xfrm rot="21320801">
+            <a:off x="5496346" y="4100386"/>
+            <a:ext cx="163282" cy="1225444"/>
+          </a:xfrm>
+          <a:prstGeom prst="rect">
+            <a:avLst/>
+          </a:prstGeom>
+          <a:solidFill>
+            <a:schemeClr val="bg1">
+              <a:lumMod val="75000"/>
+            </a:schemeClr>
+          </a:solidFill>
+          <a:ln w="6350">
+            <a:noFill/>
+          </a:ln>
+        </p:spPr>
+        <p:style>
+          <a:lnRef idx="2">
+            <a:schemeClr val="accent1">
+              <a:shade val="50000"/>
+            </a:schemeClr>
+          </a:lnRef>
+          <a:fillRef idx="1">
+            <a:schemeClr val="accent1"/>
+          </a:fillRef>
+          <a:effectRef idx="0">
+            <a:schemeClr val="accent1"/>
+          </a:effectRef>
+          <a:fontRef idx="minor">
+            <a:schemeClr val="lt1"/>
+          </a:fontRef>
+        </p:style>
+        <p:txBody>
+          <a:bodyPr rtlCol="0" anchor="ctr"/>
+          <a:lstStyle/>
+          <a:p>
+            <a:pPr algn="ctr"/>
+            <a:endParaRPr lang="en-US" altLang="ko-KR" sz="750" dirty="0">
+              <a:solidFill>
+                <a:schemeClr val="tx1"/>
+              </a:solidFill>
+              <a:latin typeface="Arial" panose="020B0604020202020204" pitchFamily="34" charset="0"/>
+              <a:cs typeface="Arial" panose="020B0604020202020204" pitchFamily="34" charset="0"/>
+            </a:endParaRPr>
+          </a:p>
+        </p:txBody>
+      </p:sp>
+      <p:sp>
+        <p:nvSpPr>
+          <p:cNvPr id="21" name="직사각형 20"/>
+          <p:cNvSpPr/>
+          <p:nvPr/>
+        </p:nvSpPr>
+        <p:spPr>
+          <a:xfrm>
+            <a:off x="6172205" y="2878252"/>
+            <a:ext cx="1563563" cy="1219097"/>
           </a:xfrm>
           <a:prstGeom prst="rect">
             <a:avLst/>
@@ -3589,13 +3752,13 @@
       </p:sp>
       <p:sp>
         <p:nvSpPr>
-          <p:cNvPr id="41" name="직사각형 40"/>
+          <p:cNvPr id="22" name="직사각형 21"/>
           <p:cNvSpPr/>
           <p:nvPr/>
         </p:nvSpPr>
         <p:spPr>
           <a:xfrm>
-            <a:off x="4609006" y="3594101"/>
+            <a:off x="7608375" y="3898975"/>
             <a:ext cx="131122" cy="198376"/>
           </a:xfrm>
           <a:prstGeom prst="rect">
@@ -3638,118 +3801,14 @@
       </p:sp>
       <p:sp>
         <p:nvSpPr>
-          <p:cNvPr id="20" name="직사각형 19"/>
+          <p:cNvPr id="23" name="직사각형 22"/>
           <p:cNvSpPr/>
           <p:nvPr/>
         </p:nvSpPr>
         <p:spPr>
           <a:xfrm>
-            <a:off x="5496346" y="3792476"/>
-            <a:ext cx="163282" cy="1225444"/>
-          </a:xfrm>
-          <a:prstGeom prst="rect">
-            <a:avLst/>
-          </a:prstGeom>
-          <a:solidFill>
-            <a:schemeClr val="tx1"/>
-          </a:solidFill>
-          <a:ln w="6350">
-            <a:noFill/>
-          </a:ln>
-        </p:spPr>
-        <p:style>
-          <a:lnRef idx="2">
-            <a:schemeClr val="accent1">
-              <a:shade val="50000"/>
-            </a:schemeClr>
-          </a:lnRef>
-          <a:fillRef idx="1">
-            <a:schemeClr val="accent1"/>
-          </a:fillRef>
-          <a:effectRef idx="0">
-            <a:schemeClr val="accent1"/>
-          </a:effectRef>
-          <a:fontRef idx="minor">
-            <a:schemeClr val="lt1"/>
-          </a:fontRef>
-        </p:style>
-        <p:txBody>
-          <a:bodyPr rtlCol="0" anchor="ctr"/>
-          <a:lstStyle/>
-          <a:p>
-            <a:pPr algn="ctr"/>
-            <a:endParaRPr lang="en-US" altLang="ko-KR" sz="750" dirty="0">
-              <a:solidFill>
-                <a:schemeClr val="tx1"/>
-              </a:solidFill>
-              <a:latin typeface="Arial" panose="020B0604020202020204" pitchFamily="34" charset="0"/>
-              <a:cs typeface="Arial" panose="020B0604020202020204" pitchFamily="34" charset="0"/>
-            </a:endParaRPr>
-          </a:p>
-        </p:txBody>
-      </p:sp>
-      <p:sp>
-        <p:nvSpPr>
-          <p:cNvPr id="21" name="직사각형 20"/>
-          <p:cNvSpPr/>
-          <p:nvPr/>
-        </p:nvSpPr>
-        <p:spPr>
-          <a:xfrm>
-            <a:off x="6172205" y="2570342"/>
-            <a:ext cx="1563563" cy="1219097"/>
-          </a:xfrm>
-          <a:prstGeom prst="rect">
-            <a:avLst/>
-          </a:prstGeom>
-          <a:noFill/>
-          <a:ln w="6350">
-            <a:solidFill>
-              <a:schemeClr val="tx1"/>
-            </a:solidFill>
-          </a:ln>
-        </p:spPr>
-        <p:style>
-          <a:lnRef idx="2">
-            <a:schemeClr val="accent1">
-              <a:shade val="50000"/>
-            </a:schemeClr>
-          </a:lnRef>
-          <a:fillRef idx="1">
-            <a:schemeClr val="accent1"/>
-          </a:fillRef>
-          <a:effectRef idx="0">
-            <a:schemeClr val="accent1"/>
-          </a:effectRef>
-          <a:fontRef idx="minor">
-            <a:schemeClr val="lt1"/>
-          </a:fontRef>
-        </p:style>
-        <p:txBody>
-          <a:bodyPr lIns="0" tIns="0" rIns="0" bIns="0" rtlCol="0" anchor="ctr"/>
-          <a:lstStyle/>
-          <a:p>
-            <a:pPr algn="ctr"/>
-            <a:endParaRPr lang="ko-KR" altLang="en-US" sz="900" b="1" baseline="-25000" dirty="0">
-              <a:solidFill>
-                <a:schemeClr val="bg1"/>
-              </a:solidFill>
-              <a:latin typeface="Arial" panose="020B0604020202020204" pitchFamily="34" charset="0"/>
-              <a:cs typeface="Arial" panose="020B0604020202020204" pitchFamily="34" charset="0"/>
-            </a:endParaRPr>
-          </a:p>
-        </p:txBody>
-      </p:sp>
-      <p:sp>
-        <p:nvSpPr>
-          <p:cNvPr id="22" name="직사각형 21"/>
-          <p:cNvSpPr/>
-          <p:nvPr/>
-        </p:nvSpPr>
-        <p:spPr>
-          <a:xfrm>
-            <a:off x="7608375" y="3591065"/>
-            <a:ext cx="131122" cy="198376"/>
+            <a:off x="6073832" y="3905049"/>
+            <a:ext cx="192871" cy="198376"/>
           </a:xfrm>
           <a:prstGeom prst="rect">
             <a:avLst/>
@@ -3791,62 +3850,13 @@
       </p:sp>
       <p:sp>
         <p:nvSpPr>
-          <p:cNvPr id="23" name="직사각형 22"/>
-          <p:cNvSpPr/>
-          <p:nvPr/>
-        </p:nvSpPr>
-        <p:spPr>
-          <a:xfrm>
-            <a:off x="6073832" y="3597139"/>
-            <a:ext cx="192871" cy="198376"/>
-          </a:xfrm>
-          <a:prstGeom prst="rect">
-            <a:avLst/>
-          </a:prstGeom>
-          <a:solidFill>
-            <a:schemeClr val="tx1"/>
-          </a:solidFill>
-          <a:ln>
-            <a:noFill/>
-          </a:ln>
-        </p:spPr>
-        <p:style>
-          <a:lnRef idx="2">
-            <a:schemeClr val="accent1">
-              <a:shade val="50000"/>
-            </a:schemeClr>
-          </a:lnRef>
-          <a:fillRef idx="1">
-            <a:schemeClr val="accent1"/>
-          </a:fillRef>
-          <a:effectRef idx="0">
-            <a:schemeClr val="accent1"/>
-          </a:effectRef>
-          <a:fontRef idx="minor">
-            <a:schemeClr val="lt1"/>
-          </a:fontRef>
-        </p:style>
-        <p:txBody>
-          <a:bodyPr rtlCol="0" anchor="ctr"/>
-          <a:lstStyle/>
-          <a:p>
-            <a:pPr algn="ctr"/>
-            <a:endParaRPr lang="ko-KR" altLang="en-US" sz="675" dirty="0">
-              <a:latin typeface="Arial" panose="020B0604020202020204" pitchFamily="34" charset="0"/>
-              <a:cs typeface="Arial" panose="020B0604020202020204" pitchFamily="34" charset="0"/>
-            </a:endParaRPr>
-          </a:p>
-        </p:txBody>
-      </p:sp>
-      <p:sp>
-        <p:nvSpPr>
           <p:cNvPr id="50" name="자유형 49"/>
           <p:cNvSpPr/>
           <p:nvPr/>
         </p:nvSpPr>
         <p:spPr>
           <a:xfrm>
-            <a:off x="5199053" y="2010591"/>
+            <a:off x="5199053" y="2318501"/>
             <a:ext cx="1566174" cy="278810"/>
           </a:xfrm>
           <a:custGeom>
@@ -3991,7 +4001,7 @@
         </p:nvSpPr>
         <p:spPr>
           <a:xfrm>
-            <a:off x="6768829" y="2287558"/>
+            <a:off x="6768829" y="2595468"/>
             <a:ext cx="1563566" cy="285564"/>
           </a:xfrm>
           <a:prstGeom prst="rect">
@@ -4035,110 +4045,6 @@
           </a:p>
         </p:txBody>
       </p:sp>
-      <p:sp>
-        <p:nvSpPr>
-          <p:cNvPr id="26" name="직사각형 25"/>
-          <p:cNvSpPr/>
-          <p:nvPr/>
-        </p:nvSpPr>
-        <p:spPr>
-          <a:xfrm>
-            <a:off x="7081924" y="3789440"/>
-            <a:ext cx="79500" cy="1228480"/>
-          </a:xfrm>
-          <a:prstGeom prst="rect">
-            <a:avLst/>
-          </a:prstGeom>
-          <a:solidFill>
-            <a:schemeClr val="tx1"/>
-          </a:solidFill>
-          <a:ln w="6350">
-            <a:noFill/>
-          </a:ln>
-        </p:spPr>
-        <p:style>
-          <a:lnRef idx="2">
-            <a:schemeClr val="accent1">
-              <a:shade val="50000"/>
-            </a:schemeClr>
-          </a:lnRef>
-          <a:fillRef idx="1">
-            <a:schemeClr val="accent1"/>
-          </a:fillRef>
-          <a:effectRef idx="0">
-            <a:schemeClr val="accent1"/>
-          </a:effectRef>
-          <a:fontRef idx="minor">
-            <a:schemeClr val="lt1"/>
-          </a:fontRef>
-        </p:style>
-        <p:txBody>
-          <a:bodyPr rtlCol="0" anchor="ctr"/>
-          <a:lstStyle/>
-          <a:p>
-            <a:pPr algn="ctr"/>
-            <a:endParaRPr lang="en-US" altLang="ko-KR" sz="750" dirty="0">
-              <a:solidFill>
-                <a:schemeClr val="tx1"/>
-              </a:solidFill>
-              <a:latin typeface="Arial" panose="020B0604020202020204" pitchFamily="34" charset="0"/>
-              <a:cs typeface="Arial" panose="020B0604020202020204" pitchFamily="34" charset="0"/>
-            </a:endParaRPr>
-          </a:p>
-        </p:txBody>
-      </p:sp>
-      <p:sp>
-        <p:nvSpPr>
-          <p:cNvPr id="27" name="직사각형 26"/>
-          <p:cNvSpPr/>
-          <p:nvPr/>
-        </p:nvSpPr>
-        <p:spPr>
-          <a:xfrm>
-            <a:off x="4022237" y="3792476"/>
-            <a:ext cx="69370" cy="1225444"/>
-          </a:xfrm>
-          <a:prstGeom prst="rect">
-            <a:avLst/>
-          </a:prstGeom>
-          <a:solidFill>
-            <a:schemeClr val="tx1"/>
-          </a:solidFill>
-          <a:ln w="6350">
-            <a:noFill/>
-          </a:ln>
-        </p:spPr>
-        <p:style>
-          <a:lnRef idx="2">
-            <a:schemeClr val="accent1">
-              <a:shade val="50000"/>
-            </a:schemeClr>
-          </a:lnRef>
-          <a:fillRef idx="1">
-            <a:schemeClr val="accent1"/>
-          </a:fillRef>
-          <a:effectRef idx="0">
-            <a:schemeClr val="accent1"/>
-          </a:effectRef>
-          <a:fontRef idx="minor">
-            <a:schemeClr val="lt1"/>
-          </a:fontRef>
-        </p:style>
-        <p:txBody>
-          <a:bodyPr rtlCol="0" anchor="ctr"/>
-          <a:lstStyle/>
-          <a:p>
-            <a:pPr algn="ctr"/>
-            <a:endParaRPr lang="en-US" altLang="ko-KR" sz="750" dirty="0">
-              <a:solidFill>
-                <a:schemeClr val="tx1"/>
-              </a:solidFill>
-              <a:latin typeface="Arial" panose="020B0604020202020204" pitchFamily="34" charset="0"/>
-              <a:cs typeface="Arial" panose="020B0604020202020204" pitchFamily="34" charset="0"/>
-            </a:endParaRPr>
-          </a:p>
-        </p:txBody>
-      </p:sp>
       <p:cxnSp>
         <p:nvCxnSpPr>
           <p:cNvPr id="28" name="직선 연결선 27"/>
@@ -4147,7 +4053,7 @@
         </p:nvCxnSpPr>
         <p:spPr>
           <a:xfrm flipV="1">
-            <a:off x="4021611" y="1899221"/>
+            <a:off x="4021611" y="2207131"/>
             <a:ext cx="0" cy="3780436"/>
           </a:xfrm>
           <a:prstGeom prst="line">
@@ -4182,7 +4088,7 @@
         </p:nvCxnSpPr>
         <p:spPr>
           <a:xfrm>
-            <a:off x="5207351" y="1917201"/>
+            <a:off x="5207351" y="2225111"/>
             <a:ext cx="3059939" cy="0"/>
           </a:xfrm>
           <a:prstGeom prst="line">
@@ -4213,14 +4119,12 @@
       <p:cxnSp>
         <p:nvCxnSpPr>
           <p:cNvPr id="6" name="직선 연결선 5"/>
-          <p:cNvCxnSpPr>
-            <a:endCxn id="19" idx="3"/>
-          </p:cNvCxnSpPr>
+          <p:cNvCxnSpPr/>
           <p:nvPr/>
         </p:nvCxnSpPr>
         <p:spPr>
           <a:xfrm flipV="1">
-            <a:off x="7155765" y="3950595"/>
+            <a:off x="7155765" y="4258505"/>
             <a:ext cx="813" cy="1644686"/>
           </a:xfrm>
           <a:prstGeom prst="line">
@@ -4291,7 +4195,7 @@
         </p:nvSpPr>
         <p:spPr>
           <a:xfrm>
-            <a:off x="5198096" y="2287558"/>
+            <a:off x="5198096" y="2595468"/>
             <a:ext cx="1563566" cy="285564"/>
           </a:xfrm>
           <a:prstGeom prst="rect">
@@ -4343,7 +4247,7 @@
         </p:nvSpPr>
         <p:spPr>
           <a:xfrm>
-            <a:off x="6769823" y="2010591"/>
+            <a:off x="6769823" y="2318501"/>
             <a:ext cx="1566174" cy="278810"/>
           </a:xfrm>
           <a:custGeom>
@@ -4480,8 +4384,8 @@
           </a:p>
         </p:txBody>
       </p:sp>
-      <mc:AlternateContent xmlns:mc="http://schemas.openxmlformats.org/markup-compatibility/2006" xmlns:a14="http://schemas.microsoft.com/office/drawing/2010/main">
-        <mc:Choice Requires="a14">
+      <mc:AlternateContent xmlns:mc="http://schemas.openxmlformats.org/markup-compatibility/2006">
+        <mc:Choice xmlns:a14="http://schemas.microsoft.com/office/drawing/2010/main" Requires="a14">
           <p:sp>
             <p:nvSpPr>
               <p:cNvPr id="53" name="TextBox 52"/>
@@ -4490,7 +4394,7 @@
             </p:nvSpPr>
             <p:spPr>
               <a:xfrm>
-                <a:off x="7172631" y="661673"/>
+                <a:off x="7172631" y="969583"/>
                 <a:ext cx="2517322" cy="307777"/>
               </a:xfrm>
               <a:prstGeom prst="rect">
@@ -4575,7 +4479,7 @@
             </p:txBody>
           </p:sp>
         </mc:Choice>
-        <mc:Fallback xmlns="">
+        <mc:Fallback>
           <p:sp>
             <p:nvSpPr>
               <p:cNvPr id="53" name="TextBox 52"/>
@@ -4586,7 +4490,7 @@
             </p:nvSpPr>
             <p:spPr>
               <a:xfrm>
-                <a:off x="7172631" y="661673"/>
+                <a:off x="7172631" y="969583"/>
                 <a:ext cx="2517322" cy="307777"/>
               </a:xfrm>
               <a:prstGeom prst="rect">
@@ -4595,7 +4499,7 @@
               <a:blipFill>
                 <a:blip r:embed="rId5"/>
                 <a:stretch>
-                  <a:fillRect l="-726" t="-4000" r="-2906" b="-20000"/>
+                  <a:fillRect l="-726" t="-3922" r="-2906" b="-19608"/>
                 </a:stretch>
               </a:blipFill>
             </p:spPr>
@@ -4622,7 +4526,7 @@
         </p:nvSpPr>
         <p:spPr>
           <a:xfrm>
-            <a:off x="2158782" y="2189090"/>
+            <a:off x="2158782" y="2497000"/>
             <a:ext cx="1590500" cy="1169551"/>
           </a:xfrm>
           <a:prstGeom prst="rect">
@@ -4784,7 +4688,7 @@
         </p:nvSpPr>
         <p:spPr>
           <a:xfrm>
-            <a:off x="8135390" y="2887391"/>
+            <a:off x="8135390" y="3195301"/>
             <a:ext cx="990656" cy="307777"/>
           </a:xfrm>
           <a:prstGeom prst="rect">
@@ -4815,7 +4719,7 @@
         </p:nvSpPr>
         <p:spPr>
           <a:xfrm>
-            <a:off x="8709877" y="2294180"/>
+            <a:off x="8709877" y="2602090"/>
             <a:ext cx="912237" cy="307777"/>
           </a:xfrm>
           <a:prstGeom prst="rect">
@@ -4846,7 +4750,7 @@
         </p:nvSpPr>
         <p:spPr>
           <a:xfrm>
-            <a:off x="8709877" y="1917201"/>
+            <a:off x="8709877" y="2225111"/>
             <a:ext cx="980076" cy="307777"/>
           </a:xfrm>
           <a:prstGeom prst="rect">
@@ -4879,7 +4783,7 @@
         </p:nvCxnSpPr>
         <p:spPr>
           <a:xfrm flipH="1">
-            <a:off x="6488745" y="2071090"/>
+            <a:off x="6488745" y="2379000"/>
             <a:ext cx="2221132" cy="87115"/>
           </a:xfrm>
           <a:prstGeom prst="straightConnector1">
@@ -4914,7 +4818,7 @@
         </p:nvCxnSpPr>
         <p:spPr>
           <a:xfrm flipH="1">
-            <a:off x="7829312" y="2071090"/>
+            <a:off x="7829312" y="2379000"/>
             <a:ext cx="880565" cy="127053"/>
           </a:xfrm>
           <a:prstGeom prst="straightConnector1">
@@ -4949,7 +4853,7 @@
         </p:nvCxnSpPr>
         <p:spPr>
           <a:xfrm flipH="1" flipV="1">
-            <a:off x="6488745" y="2373624"/>
+            <a:off x="6488745" y="2681534"/>
             <a:ext cx="2221132" cy="74445"/>
           </a:xfrm>
           <a:prstGeom prst="straightConnector1">
@@ -4984,7 +4888,7 @@
         </p:nvCxnSpPr>
         <p:spPr>
           <a:xfrm flipH="1">
-            <a:off x="8045144" y="2448069"/>
+            <a:off x="8045144" y="2755979"/>
             <a:ext cx="664733" cy="45387"/>
           </a:xfrm>
           <a:prstGeom prst="straightConnector1">
@@ -5019,7 +4923,7 @@
         </p:nvCxnSpPr>
         <p:spPr>
           <a:xfrm flipH="1" flipV="1">
-            <a:off x="5496346" y="3009150"/>
+            <a:off x="5496346" y="3317060"/>
             <a:ext cx="2639044" cy="32130"/>
           </a:xfrm>
           <a:prstGeom prst="straightConnector1">
@@ -5054,7 +4958,7 @@
         </p:nvCxnSpPr>
         <p:spPr>
           <a:xfrm flipH="1">
-            <a:off x="7000669" y="3041280"/>
+            <a:off x="7000669" y="3349190"/>
             <a:ext cx="1134721" cy="218267"/>
           </a:xfrm>
           <a:prstGeom prst="straightConnector1">
@@ -5087,7 +4991,7 @@
         </p:nvSpPr>
         <p:spPr>
           <a:xfrm>
-            <a:off x="8258638" y="3796705"/>
+            <a:off x="8258638" y="4104615"/>
             <a:ext cx="1274708" cy="307777"/>
           </a:xfrm>
           <a:prstGeom prst="rect">
@@ -5120,7 +5024,7 @@
         </p:nvCxnSpPr>
         <p:spPr>
           <a:xfrm flipH="1">
-            <a:off x="6633738" y="3950594"/>
+            <a:off x="6633738" y="4258504"/>
             <a:ext cx="1624900" cy="31617"/>
           </a:xfrm>
           <a:prstGeom prst="straightConnector1">
@@ -5153,7 +5057,7 @@
         </p:nvSpPr>
         <p:spPr>
           <a:xfrm>
-            <a:off x="8258638" y="4777253"/>
+            <a:off x="8258638" y="5085163"/>
             <a:ext cx="1300421" cy="307777"/>
           </a:xfrm>
           <a:prstGeom prst="rect">
@@ -5186,7 +5090,7 @@
         </p:nvCxnSpPr>
         <p:spPr>
           <a:xfrm flipH="1" flipV="1">
-            <a:off x="6547900" y="4737638"/>
+            <a:off x="6547900" y="5045548"/>
             <a:ext cx="1710738" cy="193504"/>
           </a:xfrm>
           <a:prstGeom prst="straightConnector1">
@@ -5221,7 +5125,7 @@
         </p:nvCxnSpPr>
         <p:spPr>
           <a:xfrm flipH="1">
-            <a:off x="4975888" y="4931142"/>
+            <a:off x="4975888" y="5239052"/>
             <a:ext cx="3282750" cy="125169"/>
           </a:xfrm>
           <a:prstGeom prst="straightConnector1">
@@ -5254,7 +5158,7 @@
         </p:nvSpPr>
         <p:spPr>
           <a:xfrm>
-            <a:off x="4319197" y="4993726"/>
+            <a:off x="4319197" y="5301636"/>
             <a:ext cx="119702" cy="554716"/>
           </a:xfrm>
           <a:prstGeom prst="lightningBolt">
@@ -5302,7 +5206,7 @@
         </p:nvSpPr>
         <p:spPr>
           <a:xfrm>
-            <a:off x="4576741" y="4993726"/>
+            <a:off x="4576741" y="5301636"/>
             <a:ext cx="119702" cy="554716"/>
           </a:xfrm>
           <a:prstGeom prst="lightningBolt">
@@ -5350,7 +5254,7 @@
         </p:nvSpPr>
         <p:spPr>
           <a:xfrm>
-            <a:off x="4834286" y="4993726"/>
+            <a:off x="4834286" y="5301636"/>
             <a:ext cx="119702" cy="554716"/>
           </a:xfrm>
           <a:prstGeom prst="lightningBolt">
@@ -5398,7 +5302,7 @@
         </p:nvSpPr>
         <p:spPr>
           <a:xfrm>
-            <a:off x="6066266" y="4993726"/>
+            <a:off x="6066266" y="5301636"/>
             <a:ext cx="119702" cy="554716"/>
           </a:xfrm>
           <a:prstGeom prst="lightningBolt">
@@ -5446,7 +5350,7 @@
         </p:nvSpPr>
         <p:spPr>
           <a:xfrm>
-            <a:off x="6323810" y="4993726"/>
+            <a:off x="6323810" y="5301636"/>
             <a:ext cx="119702" cy="554716"/>
           </a:xfrm>
           <a:prstGeom prst="lightningBolt">
@@ -5494,7 +5398,7 @@
         </p:nvSpPr>
         <p:spPr>
           <a:xfrm>
-            <a:off x="6581355" y="4993726"/>
+            <a:off x="6581355" y="5301636"/>
             <a:ext cx="119702" cy="554716"/>
           </a:xfrm>
           <a:prstGeom prst="lightningBolt">
@@ -5542,7 +5446,7 @@
         </p:nvSpPr>
         <p:spPr>
           <a:xfrm>
-            <a:off x="4674567" y="5686569"/>
+            <a:off x="4674567" y="5994479"/>
             <a:ext cx="1948482" cy="307777"/>
           </a:xfrm>
           <a:prstGeom prst="rect">
@@ -5572,8 +5476,8 @@
           <p:nvPr/>
         </p:nvSpPr>
         <p:spPr>
-          <a:xfrm rot="-1380000">
-            <a:off x="5493471" y="4162355"/>
+          <a:xfrm rot="20220000">
+            <a:off x="5493471" y="4470265"/>
             <a:ext cx="119702" cy="554716"/>
           </a:xfrm>
           <a:prstGeom prst="lightningBolt">
@@ -5621,7 +5525,7 @@
         </p:nvSpPr>
         <p:spPr>
           <a:xfrm>
-            <a:off x="5624452" y="4365881"/>
+            <a:off x="5624452" y="4673791"/>
             <a:ext cx="1087157" cy="246221"/>
           </a:xfrm>
           <a:prstGeom prst="rect">
@@ -5688,7 +5592,7 @@
         </p:nvCxnSpPr>
         <p:spPr>
           <a:xfrm flipV="1">
-            <a:off x="4021611" y="6078044"/>
+            <a:off x="4021611" y="6385954"/>
             <a:ext cx="1564130" cy="3036"/>
           </a:xfrm>
           <a:prstGeom prst="straightConnector1">
@@ -5714,8 +5618,8 @@
           </a:fontRef>
         </p:style>
       </p:cxnSp>
-      <mc:AlternateContent xmlns:mc="http://schemas.openxmlformats.org/markup-compatibility/2006" xmlns:a14="http://schemas.microsoft.com/office/drawing/2010/main">
-        <mc:Choice Requires="a14">
+      <mc:AlternateContent xmlns:mc="http://schemas.openxmlformats.org/markup-compatibility/2006">
+        <mc:Choice xmlns:a14="http://schemas.microsoft.com/office/drawing/2010/main" Requires="a14">
           <p:sp>
             <p:nvSpPr>
               <p:cNvPr id="69" name="TextBox 68"/>
@@ -5724,7 +5628,7 @@
             </p:nvSpPr>
             <p:spPr>
               <a:xfrm>
-                <a:off x="4507458" y="6147815"/>
+                <a:off x="4507458" y="6455725"/>
                 <a:ext cx="690638" cy="276999"/>
               </a:xfrm>
               <a:prstGeom prst="rect">
@@ -5774,7 +5678,7 @@
             </p:txBody>
           </p:sp>
         </mc:Choice>
-        <mc:Fallback xmlns="">
+        <mc:Fallback>
           <p:sp>
             <p:nvSpPr>
               <p:cNvPr id="69" name="TextBox 68"/>
@@ -5785,7 +5689,7 @@
             </p:nvSpPr>
             <p:spPr>
               <a:xfrm>
-                <a:off x="4507458" y="6147815"/>
+                <a:off x="4507458" y="6455725"/>
                 <a:ext cx="690638" cy="276999"/>
               </a:xfrm>
               <a:prstGeom prst="rect">
@@ -5794,7 +5698,7 @@
               <a:blipFill>
                 <a:blip r:embed="rId6"/>
                 <a:stretch>
-                  <a:fillRect/>
+                  <a:fillRect b="-2222"/>
                 </a:stretch>
               </a:blipFill>
               <a:ln w="15875">
@@ -5816,6 +5720,559 @@
           </p:sp>
         </mc:Fallback>
       </mc:AlternateContent>
+      <p:sp>
+        <p:nvSpPr>
+          <p:cNvPr id="78" name="직사각형 77"/>
+          <p:cNvSpPr/>
+          <p:nvPr/>
+        </p:nvSpPr>
+        <p:spPr>
+          <a:xfrm>
+            <a:off x="4015861" y="4425264"/>
+            <a:ext cx="1567801" cy="1482481"/>
+          </a:xfrm>
+          <a:prstGeom prst="rect">
+            <a:avLst/>
+          </a:prstGeom>
+          <a:noFill/>
+          <a:ln w="6350">
+            <a:solidFill>
+              <a:schemeClr val="tx1"/>
+            </a:solidFill>
+          </a:ln>
+        </p:spPr>
+        <p:style>
+          <a:lnRef idx="2">
+            <a:schemeClr val="accent1">
+              <a:shade val="50000"/>
+            </a:schemeClr>
+          </a:lnRef>
+          <a:fillRef idx="1">
+            <a:schemeClr val="accent1"/>
+          </a:fillRef>
+          <a:effectRef idx="0">
+            <a:schemeClr val="accent1"/>
+          </a:effectRef>
+          <a:fontRef idx="minor">
+            <a:schemeClr val="lt1"/>
+          </a:fontRef>
+        </p:style>
+        <p:txBody>
+          <a:bodyPr rtlCol="0" anchor="ctr"/>
+          <a:lstStyle/>
+          <a:p>
+            <a:pPr algn="ctr"/>
+            <a:endParaRPr lang="ko-KR" altLang="en-US" sz="825" b="1" dirty="0">
+              <a:latin typeface="Arial" panose="020B0604020202020204" pitchFamily="34" charset="0"/>
+              <a:cs typeface="Arial" panose="020B0604020202020204" pitchFamily="34" charset="0"/>
+            </a:endParaRPr>
+          </a:p>
+        </p:txBody>
+      </p:sp>
+      <p:sp>
+        <p:nvSpPr>
+          <p:cNvPr id="77" name="자유형 76"/>
+          <p:cNvSpPr/>
+          <p:nvPr/>
+        </p:nvSpPr>
+        <p:spPr>
+          <a:xfrm>
+            <a:off x="4021611" y="4099695"/>
+            <a:ext cx="123266" cy="1231175"/>
+          </a:xfrm>
+          <a:custGeom>
+            <a:avLst/>
+            <a:gdLst>
+              <a:gd name="connsiteX0" fmla="*/ 16462 w 123266"/>
+              <a:gd name="connsiteY0" fmla="*/ 0 h 1231175"/>
+              <a:gd name="connsiteX1" fmla="*/ 123266 w 123266"/>
+              <a:gd name="connsiteY1" fmla="*/ 1220781 h 1231175"/>
+              <a:gd name="connsiteX2" fmla="*/ 4461 w 123266"/>
+              <a:gd name="connsiteY2" fmla="*/ 1231175 h 1231175"/>
+              <a:gd name="connsiteX3" fmla="*/ 0 w 123266"/>
+              <a:gd name="connsiteY3" fmla="*/ 1180183 h 1231175"/>
+              <a:gd name="connsiteX4" fmla="*/ 0 w 123266"/>
+              <a:gd name="connsiteY4" fmla="*/ 1440 h 1231175"/>
+            </a:gdLst>
+            <a:ahLst/>
+            <a:cxnLst>
+              <a:cxn ang="0">
+                <a:pos x="connsiteX0" y="connsiteY0"/>
+              </a:cxn>
+              <a:cxn ang="0">
+                <a:pos x="connsiteX1" y="connsiteY1"/>
+              </a:cxn>
+              <a:cxn ang="0">
+                <a:pos x="connsiteX2" y="connsiteY2"/>
+              </a:cxn>
+              <a:cxn ang="0">
+                <a:pos x="connsiteX3" y="connsiteY3"/>
+              </a:cxn>
+              <a:cxn ang="0">
+                <a:pos x="connsiteX4" y="connsiteY4"/>
+              </a:cxn>
+            </a:cxnLst>
+            <a:rect l="l" t="t" r="r" b="b"/>
+            <a:pathLst>
+              <a:path w="123266" h="1231175">
+                <a:moveTo>
+                  <a:pt x="16462" y="0"/>
+                </a:moveTo>
+                <a:lnTo>
+                  <a:pt x="123266" y="1220781"/>
+                </a:lnTo>
+                <a:lnTo>
+                  <a:pt x="4461" y="1231175"/>
+                </a:lnTo>
+                <a:lnTo>
+                  <a:pt x="0" y="1180183"/>
+                </a:lnTo>
+                <a:lnTo>
+                  <a:pt x="0" y="1440"/>
+                </a:lnTo>
+                <a:close/>
+              </a:path>
+            </a:pathLst>
+          </a:custGeom>
+          <a:solidFill>
+            <a:schemeClr val="bg1">
+              <a:lumMod val="75000"/>
+            </a:schemeClr>
+          </a:solidFill>
+          <a:ln w="6350">
+            <a:solidFill>
+              <a:schemeClr val="tx1"/>
+            </a:solidFill>
+          </a:ln>
+        </p:spPr>
+        <p:style>
+          <a:lnRef idx="2">
+            <a:schemeClr val="accent1">
+              <a:shade val="50000"/>
+            </a:schemeClr>
+          </a:lnRef>
+          <a:fillRef idx="1">
+            <a:schemeClr val="accent1"/>
+          </a:fillRef>
+          <a:effectRef idx="0">
+            <a:schemeClr val="accent1"/>
+          </a:effectRef>
+          <a:fontRef idx="minor">
+            <a:schemeClr val="lt1"/>
+          </a:fontRef>
+        </p:style>
+        <p:txBody>
+          <a:bodyPr wrap="square" rtlCol="0" anchor="ctr">
+            <a:noAutofit/>
+          </a:bodyPr>
+          <a:lstStyle/>
+          <a:p>
+            <a:pPr algn="ctr"/>
+            <a:endParaRPr lang="ko-KR" altLang="en-US" sz="825" b="1" dirty="0">
+              <a:latin typeface="Arial" panose="020B0604020202020204" pitchFamily="34" charset="0"/>
+              <a:cs typeface="Arial" panose="020B0604020202020204" pitchFamily="34" charset="0"/>
+            </a:endParaRPr>
+          </a:p>
+        </p:txBody>
+      </p:sp>
+      <p:sp>
+        <p:nvSpPr>
+          <p:cNvPr id="83" name="직사각형 82"/>
+          <p:cNvSpPr/>
+          <p:nvPr/>
+        </p:nvSpPr>
+        <p:spPr>
+          <a:xfrm>
+            <a:off x="5588777" y="4425264"/>
+            <a:ext cx="1567801" cy="1482481"/>
+          </a:xfrm>
+          <a:prstGeom prst="rect">
+            <a:avLst/>
+          </a:prstGeom>
+          <a:noFill/>
+          <a:ln w="6350">
+            <a:solidFill>
+              <a:schemeClr val="tx1"/>
+            </a:solidFill>
+          </a:ln>
+        </p:spPr>
+        <p:style>
+          <a:lnRef idx="2">
+            <a:schemeClr val="accent1">
+              <a:shade val="50000"/>
+            </a:schemeClr>
+          </a:lnRef>
+          <a:fillRef idx="1">
+            <a:schemeClr val="accent1"/>
+          </a:fillRef>
+          <a:effectRef idx="0">
+            <a:schemeClr val="accent1"/>
+          </a:effectRef>
+          <a:fontRef idx="minor">
+            <a:schemeClr val="lt1"/>
+          </a:fontRef>
+        </p:style>
+        <p:txBody>
+          <a:bodyPr rtlCol="0" anchor="ctr"/>
+          <a:lstStyle/>
+          <a:p>
+            <a:pPr algn="ctr"/>
+            <a:endParaRPr lang="ko-KR" altLang="en-US" sz="825" b="1" dirty="0">
+              <a:latin typeface="Arial" panose="020B0604020202020204" pitchFamily="34" charset="0"/>
+              <a:cs typeface="Arial" panose="020B0604020202020204" pitchFamily="34" charset="0"/>
+            </a:endParaRPr>
+          </a:p>
+        </p:txBody>
+      </p:sp>
+      <p:cxnSp>
+        <p:nvCxnSpPr>
+          <p:cNvPr id="84" name="직선 연결선 83"/>
+          <p:cNvCxnSpPr/>
+          <p:nvPr/>
+        </p:nvCxnSpPr>
+        <p:spPr>
+          <a:xfrm flipV="1">
+            <a:off x="5589806" y="3939087"/>
+            <a:ext cx="0" cy="1715628"/>
+          </a:xfrm>
+          <a:prstGeom prst="line">
+            <a:avLst/>
+          </a:prstGeom>
+          <a:ln w="12700">
+            <a:solidFill>
+              <a:schemeClr val="tx1"/>
+            </a:solidFill>
+          </a:ln>
+        </p:spPr>
+        <p:style>
+          <a:lnRef idx="1">
+            <a:schemeClr val="accent1"/>
+          </a:lnRef>
+          <a:fillRef idx="0">
+            <a:schemeClr val="accent1"/>
+          </a:fillRef>
+          <a:effectRef idx="0">
+            <a:schemeClr val="accent1"/>
+          </a:effectRef>
+          <a:fontRef idx="minor">
+            <a:schemeClr val="tx1"/>
+          </a:fontRef>
+        </p:style>
+      </p:cxnSp>
+      <p:cxnSp>
+        <p:nvCxnSpPr>
+          <p:cNvPr id="86" name="직선 화살표 연결선 85"/>
+          <p:cNvCxnSpPr/>
+          <p:nvPr/>
+        </p:nvCxnSpPr>
+        <p:spPr>
+          <a:xfrm flipH="1" flipV="1">
+            <a:off x="5584692" y="4627582"/>
+            <a:ext cx="81548" cy="1008138"/>
+          </a:xfrm>
+          <a:prstGeom prst="straightConnector1">
+            <a:avLst/>
+          </a:prstGeom>
+          <a:ln w="9525">
+            <a:solidFill>
+              <a:schemeClr val="tx1"/>
+            </a:solidFill>
+            <a:tailEnd type="triangle"/>
+          </a:ln>
+        </p:spPr>
+        <p:style>
+          <a:lnRef idx="1">
+            <a:schemeClr val="accent1"/>
+          </a:lnRef>
+          <a:fillRef idx="0">
+            <a:schemeClr val="accent1"/>
+          </a:fillRef>
+          <a:effectRef idx="0">
+            <a:schemeClr val="accent1"/>
+          </a:effectRef>
+          <a:fontRef idx="minor">
+            <a:schemeClr val="tx1"/>
+          </a:fontRef>
+        </p:style>
+      </p:cxnSp>
+      <p:sp>
+        <p:nvSpPr>
+          <p:cNvPr id="89" name="원호 88"/>
+          <p:cNvSpPr/>
+          <p:nvPr/>
+        </p:nvSpPr>
+        <p:spPr>
+          <a:xfrm rot="8765413">
+            <a:off x="5493789" y="5150743"/>
+            <a:ext cx="399898" cy="282003"/>
+          </a:xfrm>
+          <a:prstGeom prst="arc">
+            <a:avLst>
+              <a:gd name="adj1" fmla="val 18912242"/>
+              <a:gd name="adj2" fmla="val 20506425"/>
+            </a:avLst>
+          </a:prstGeom>
+          <a:ln>
+            <a:solidFill>
+              <a:schemeClr val="tx1"/>
+            </a:solidFill>
+          </a:ln>
+        </p:spPr>
+        <p:style>
+          <a:lnRef idx="1">
+            <a:schemeClr val="accent1"/>
+          </a:lnRef>
+          <a:fillRef idx="0">
+            <a:schemeClr val="accent1"/>
+          </a:fillRef>
+          <a:effectRef idx="0">
+            <a:schemeClr val="accent1"/>
+          </a:effectRef>
+          <a:fontRef idx="minor">
+            <a:schemeClr val="tx1"/>
+          </a:fontRef>
+        </p:style>
+        <p:txBody>
+          <a:bodyPr rtlCol="0" anchor="ctr"/>
+          <a:lstStyle>
+            <a:defPPr>
+              <a:defRPr lang="ko-KR"/>
+            </a:defPPr>
+            <a:lvl1pPr marL="0" algn="l" defTabSz="914400" rtl="0" eaLnBrk="1" latinLnBrk="1" hangingPunct="1">
+              <a:defRPr sz="1800" kern="1200">
+                <a:solidFill>
+                  <a:schemeClr val="tx1"/>
+                </a:solidFill>
+                <a:latin typeface="+mn-lt"/>
+                <a:ea typeface="+mn-ea"/>
+                <a:cs typeface="+mn-cs"/>
+              </a:defRPr>
+            </a:lvl1pPr>
+            <a:lvl2pPr marL="457200" algn="l" defTabSz="914400" rtl="0" eaLnBrk="1" latinLnBrk="1" hangingPunct="1">
+              <a:defRPr sz="1800" kern="1200">
+                <a:solidFill>
+                  <a:schemeClr val="tx1"/>
+                </a:solidFill>
+                <a:latin typeface="+mn-lt"/>
+                <a:ea typeface="+mn-ea"/>
+                <a:cs typeface="+mn-cs"/>
+              </a:defRPr>
+            </a:lvl2pPr>
+            <a:lvl3pPr marL="914400" algn="l" defTabSz="914400" rtl="0" eaLnBrk="1" latinLnBrk="1" hangingPunct="1">
+              <a:defRPr sz="1800" kern="1200">
+                <a:solidFill>
+                  <a:schemeClr val="tx1"/>
+                </a:solidFill>
+                <a:latin typeface="+mn-lt"/>
+                <a:ea typeface="+mn-ea"/>
+                <a:cs typeface="+mn-cs"/>
+              </a:defRPr>
+            </a:lvl3pPr>
+            <a:lvl4pPr marL="1371600" algn="l" defTabSz="914400" rtl="0" eaLnBrk="1" latinLnBrk="1" hangingPunct="1">
+              <a:defRPr sz="1800" kern="1200">
+                <a:solidFill>
+                  <a:schemeClr val="tx1"/>
+                </a:solidFill>
+                <a:latin typeface="+mn-lt"/>
+                <a:ea typeface="+mn-ea"/>
+                <a:cs typeface="+mn-cs"/>
+              </a:defRPr>
+            </a:lvl4pPr>
+            <a:lvl5pPr marL="1828800" algn="l" defTabSz="914400" rtl="0" eaLnBrk="1" latinLnBrk="1" hangingPunct="1">
+              <a:defRPr sz="1800" kern="1200">
+                <a:solidFill>
+                  <a:schemeClr val="tx1"/>
+                </a:solidFill>
+                <a:latin typeface="+mn-lt"/>
+                <a:ea typeface="+mn-ea"/>
+                <a:cs typeface="+mn-cs"/>
+              </a:defRPr>
+            </a:lvl5pPr>
+            <a:lvl6pPr marL="2286000" algn="l" defTabSz="914400" rtl="0" eaLnBrk="1" latinLnBrk="1" hangingPunct="1">
+              <a:defRPr sz="1800" kern="1200">
+                <a:solidFill>
+                  <a:schemeClr val="tx1"/>
+                </a:solidFill>
+                <a:latin typeface="+mn-lt"/>
+                <a:ea typeface="+mn-ea"/>
+                <a:cs typeface="+mn-cs"/>
+              </a:defRPr>
+            </a:lvl6pPr>
+            <a:lvl7pPr marL="2743200" algn="l" defTabSz="914400" rtl="0" eaLnBrk="1" latinLnBrk="1" hangingPunct="1">
+              <a:defRPr sz="1800" kern="1200">
+                <a:solidFill>
+                  <a:schemeClr val="tx1"/>
+                </a:solidFill>
+                <a:latin typeface="+mn-lt"/>
+                <a:ea typeface="+mn-ea"/>
+                <a:cs typeface="+mn-cs"/>
+              </a:defRPr>
+            </a:lvl7pPr>
+            <a:lvl8pPr marL="3200400" algn="l" defTabSz="914400" rtl="0" eaLnBrk="1" latinLnBrk="1" hangingPunct="1">
+              <a:defRPr sz="1800" kern="1200">
+                <a:solidFill>
+                  <a:schemeClr val="tx1"/>
+                </a:solidFill>
+                <a:latin typeface="+mn-lt"/>
+                <a:ea typeface="+mn-ea"/>
+                <a:cs typeface="+mn-cs"/>
+              </a:defRPr>
+            </a:lvl8pPr>
+            <a:lvl9pPr marL="3657600" algn="l" defTabSz="914400" rtl="0" eaLnBrk="1" latinLnBrk="1" hangingPunct="1">
+              <a:defRPr sz="1800" kern="1200">
+                <a:solidFill>
+                  <a:schemeClr val="tx1"/>
+                </a:solidFill>
+                <a:latin typeface="+mn-lt"/>
+                <a:ea typeface="+mn-ea"/>
+                <a:cs typeface="+mn-cs"/>
+              </a:defRPr>
+            </a:lvl9pPr>
+          </a:lstStyle>
+          <a:p>
+            <a:pPr algn="ctr"/>
+            <a:endParaRPr lang="ko-KR" altLang="en-US"/>
+          </a:p>
+        </p:txBody>
+      </p:sp>
+      <mc:AlternateContent xmlns:mc="http://schemas.openxmlformats.org/markup-compatibility/2006">
+        <mc:Choice xmlns:a14="http://schemas.microsoft.com/office/drawing/2010/main" Requires="a14">
+          <p:sp>
+            <p:nvSpPr>
+              <p:cNvPr id="13" name="TextBox 12"/>
+              <p:cNvSpPr txBox="1"/>
+              <p:nvPr/>
+            </p:nvSpPr>
+            <p:spPr>
+              <a:xfrm>
+                <a:off x="5548021" y="5590321"/>
+                <a:ext cx="325730" cy="276999"/>
+              </a:xfrm>
+              <a:prstGeom prst="rect">
+                <a:avLst/>
+              </a:prstGeom>
+              <a:noFill/>
+            </p:spPr>
+            <p:txBody>
+              <a:bodyPr wrap="none" lIns="0" tIns="0" rIns="0" bIns="0" rtlCol="0">
+                <a:spAutoFit/>
+              </a:bodyPr>
+              <a:lstStyle/>
+              <a:p>
+                <a14:m>
+                  <m:oMathPara xmlns:m="http://schemas.openxmlformats.org/officeDocument/2006/math">
+                    <m:oMathParaPr>
+                      <m:jc m:val="centerGroup"/>
+                    </m:oMathParaPr>
+                    <m:oMath xmlns:m="http://schemas.openxmlformats.org/officeDocument/2006/math">
+                      <m:sSub>
+                        <m:sSubPr>
+                          <m:ctrlPr>
+                            <a:rPr lang="en-US" altLang="ko-KR" b="0" i="1" smtClean="0">
+                              <a:latin typeface="Cambria Math" panose="02040503050406030204" pitchFamily="18" charset="0"/>
+                            </a:rPr>
+                          </m:ctrlPr>
+                        </m:sSubPr>
+                        <m:e>
+                          <m:r>
+                            <a:rPr lang="en-US" altLang="ko-KR" b="0" i="1" smtClean="0">
+                              <a:latin typeface="Cambria Math" panose="02040503050406030204" pitchFamily="18" charset="0"/>
+                            </a:rPr>
+                            <m:t>𝜃</m:t>
+                          </m:r>
+                        </m:e>
+                        <m:sub>
+                          <m:r>
+                            <a:rPr lang="en-US" altLang="ko-KR" b="0" i="1" smtClean="0">
+                              <a:latin typeface="Cambria Math" panose="02040503050406030204" pitchFamily="18" charset="0"/>
+                            </a:rPr>
+                            <m:t>𝑑</m:t>
+                          </m:r>
+                        </m:sub>
+                      </m:sSub>
+                    </m:oMath>
+                  </m:oMathPara>
+                </a14:m>
+                <a:endParaRPr lang="ko-KR" altLang="en-US" dirty="0"/>
+              </a:p>
+            </p:txBody>
+          </p:sp>
+        </mc:Choice>
+        <mc:Fallback>
+          <p:sp>
+            <p:nvSpPr>
+              <p:cNvPr id="13" name="TextBox 12"/>
+              <p:cNvSpPr txBox="1">
+                <a:spLocks noRot="1" noChangeAspect="1" noMove="1" noResize="1" noEditPoints="1" noAdjustHandles="1" noChangeArrowheads="1" noChangeShapeType="1" noTextEdit="1"/>
+              </p:cNvSpPr>
+              <p:nvPr/>
+            </p:nvSpPr>
+            <p:spPr>
+              <a:xfrm>
+                <a:off x="5548021" y="5590321"/>
+                <a:ext cx="325730" cy="276999"/>
+              </a:xfrm>
+              <a:prstGeom prst="rect">
+                <a:avLst/>
+              </a:prstGeom>
+              <a:blipFill>
+                <a:blip r:embed="rId7"/>
+                <a:stretch>
+                  <a:fillRect l="-11111" r="-1852" b="-22222"/>
+                </a:stretch>
+              </a:blipFill>
+            </p:spPr>
+            <p:txBody>
+              <a:bodyPr/>
+              <a:lstStyle/>
+              <a:p>
+                <a:r>
+                  <a:rPr lang="ko-KR" altLang="en-US">
+                    <a:noFill/>
+                  </a:rPr>
+                  <a:t> </a:t>
+                </a:r>
+              </a:p>
+            </p:txBody>
+          </p:sp>
+        </mc:Fallback>
+      </mc:AlternateContent>
+      <p:sp>
+        <p:nvSpPr>
+          <p:cNvPr id="93" name="TextBox 92"/>
+          <p:cNvSpPr txBox="1"/>
+          <p:nvPr/>
+        </p:nvSpPr>
+        <p:spPr>
+          <a:xfrm>
+            <a:off x="8908848" y="301799"/>
+            <a:ext cx="3132929" cy="400110"/>
+          </a:xfrm>
+          <a:prstGeom prst="rect">
+            <a:avLst/>
+          </a:prstGeom>
+          <a:noFill/>
+        </p:spPr>
+        <p:txBody>
+          <a:bodyPr wrap="square" rtlCol="0">
+            <a:spAutoFit/>
+          </a:bodyPr>
+          <a:lstStyle/>
+          <a:p>
+            <a:r>
+              <a:rPr lang="en-US" altLang="ko-KR" sz="2000" dirty="0" smtClean="0">
+                <a:latin typeface="Calibri" panose="020F0502020204030204" pitchFamily="34" charset="0"/>
+                <a:cs typeface="Calibri" panose="020F0502020204030204" pitchFamily="34" charset="0"/>
+              </a:rPr>
+              <a:t>EE 20182327 Lee Jong Geon</a:t>
+            </a:r>
+            <a:endParaRPr lang="ko-KR" altLang="en-US" sz="2000" dirty="0">
+              <a:latin typeface="Calibri" panose="020F0502020204030204" pitchFamily="34" charset="0"/>
+              <a:cs typeface="Calibri" panose="020F0502020204030204" pitchFamily="34" charset="0"/>
+            </a:endParaRPr>
+          </a:p>
+        </p:txBody>
+      </p:sp>
     </p:spTree>
     <p:extLst>
       <p:ext uri="{BB962C8B-B14F-4D97-AF65-F5344CB8AC3E}">
